--- a/1조 一番 cafe24  신용하,이소라,김종열.pptx
+++ b/1조 一番 cafe24  신용하,이소라,김종열.pptx
@@ -15,8 +15,8 @@
     <p:sldId id="287" r:id="rId6"/>
     <p:sldId id="267" r:id="rId7"/>
     <p:sldId id="286" r:id="rId8"/>
-    <p:sldId id="290" r:id="rId9"/>
-    <p:sldId id="264" r:id="rId10"/>
+    <p:sldId id="264" r:id="rId9"/>
+    <p:sldId id="290" r:id="rId10"/>
     <p:sldId id="285" r:id="rId11"/>
     <p:sldId id="296" r:id="rId12"/>
     <p:sldId id="284" r:id="rId13"/>
@@ -1192,6 +1192,14 @@
     <dgm:pt modelId="{8DFE7A67-7CD8-4C22-8E87-C750309F89CA}">
       <dgm:prSet phldrT="[텍스트]"/>
       <dgm:spPr/>
+      <dgm:t>
+        <a:bodyPr/>
+        <a:lstStyle/>
+        <a:p>
+          <a:pPr latinLnBrk="1"/>
+          <a:endParaRPr lang="ko-KR" altLang="en-US"/>
+        </a:p>
+      </dgm:t>
     </dgm:pt>
     <dgm:pt modelId="{C5392493-9C9A-4E08-8997-B736C619965A}" type="parTrans" cxnId="{86F6A328-E0EF-4A2C-B0CF-FBBF04E8A7C6}">
       <dgm:prSet/>
@@ -5504,6 +5512,110 @@
   <p:cSld>
     <p:spTree>
       <p:nvGrpSpPr>
+        <p:cNvPr id="1" name="Shape 126"/>
+        <p:cNvGrpSpPr/>
+        <p:nvPr/>
+      </p:nvGrpSpPr>
+      <p:grpSpPr>
+        <a:xfrm>
+          <a:off x="0" y="0"/>
+          <a:ext cx="0" cy="0"/>
+          <a:chOff x="0" y="0"/>
+          <a:chExt cx="0" cy="0"/>
+        </a:xfrm>
+      </p:grpSpPr>
+      <p:sp>
+        <p:nvSpPr>
+          <p:cNvPr id="127" name="Shape 127"/>
+          <p:cNvSpPr>
+            <a:spLocks noGrp="1" noRot="1" noChangeAspect="1"/>
+          </p:cNvSpPr>
+          <p:nvPr>
+            <p:ph type="sldImg" idx="2"/>
+          </p:nvPr>
+        </p:nvSpPr>
+        <p:spPr>
+          <a:xfrm>
+            <a:off x="1143000" y="685800"/>
+            <a:ext cx="4572000" cy="3429000"/>
+          </a:xfrm>
+          <a:custGeom>
+            <a:avLst/>
+            <a:gdLst/>
+            <a:ahLst/>
+            <a:cxnLst/>
+            <a:rect l="0" t="0" r="0" b="0"/>
+            <a:pathLst>
+              <a:path w="120000" h="120000" extrusionOk="0">
+                <a:moveTo>
+                  <a:pt x="0" y="0"/>
+                </a:moveTo>
+                <a:lnTo>
+                  <a:pt x="120000" y="0"/>
+                </a:lnTo>
+                <a:lnTo>
+                  <a:pt x="120000" y="120000"/>
+                </a:lnTo>
+                <a:lnTo>
+                  <a:pt x="0" y="120000"/>
+                </a:lnTo>
+                <a:close/>
+              </a:path>
+            </a:pathLst>
+          </a:custGeom>
+        </p:spPr>
+      </p:sp>
+      <p:sp>
+        <p:nvSpPr>
+          <p:cNvPr id="128" name="Shape 128"/>
+          <p:cNvSpPr txBox="1">
+            <a:spLocks noGrp="1"/>
+          </p:cNvSpPr>
+          <p:nvPr>
+            <p:ph type="body" idx="1"/>
+          </p:nvPr>
+        </p:nvSpPr>
+        <p:spPr>
+          <a:xfrm>
+            <a:off x="685800" y="4343400"/>
+            <a:ext cx="5486400" cy="4114800"/>
+          </a:xfrm>
+          <a:prstGeom prst="rect">
+            <a:avLst/>
+          </a:prstGeom>
+        </p:spPr>
+        <p:txBody>
+          <a:bodyPr spcFirstLastPara="1" wrap="square" lIns="91425" tIns="91425" rIns="91425" bIns="91425" anchor="t" anchorCtr="0">
+            <a:noAutofit/>
+          </a:bodyPr>
+          <a:lstStyle/>
+          <a:p>
+            <a:pPr marL="0" lvl="0" indent="0">
+              <a:spcBef>
+                <a:spcPts val="0"/>
+              </a:spcBef>
+              <a:spcAft>
+                <a:spcPts val="0"/>
+              </a:spcAft>
+              <a:buNone/>
+            </a:pPr>
+            <a:endParaRPr/>
+          </a:p>
+        </p:txBody>
+      </p:sp>
+    </p:spTree>
+  </p:cSld>
+  <p:clrMapOvr>
+    <a:masterClrMapping/>
+  </p:clrMapOvr>
+</p:notes>
+</file>
+
+<file path=ppt/notesSlides/notesSlide9.xml><?xml version="1.0" encoding="utf-8"?>
+<p:notes xmlns:a="http://schemas.openxmlformats.org/drawingml/2006/main" xmlns:r="http://schemas.openxmlformats.org/officeDocument/2006/relationships" xmlns:p="http://schemas.openxmlformats.org/presentationml/2006/main" showMasterSp="0" showMasterPhAnim="0">
+  <p:cSld>
+    <p:spTree>
+      <p:nvGrpSpPr>
         <p:cNvPr id="1" name="Shape 103"/>
         <p:cNvGrpSpPr/>
         <p:nvPr/>
@@ -5601,110 +5713,6 @@
         <p14:creationId xmlns:p14="http://schemas.microsoft.com/office/powerpoint/2010/main" val="1336734000"/>
       </p:ext>
     </p:extLst>
-  </p:cSld>
-  <p:clrMapOvr>
-    <a:masterClrMapping/>
-  </p:clrMapOvr>
-</p:notes>
-</file>
-
-<file path=ppt/notesSlides/notesSlide9.xml><?xml version="1.0" encoding="utf-8"?>
-<p:notes xmlns:a="http://schemas.openxmlformats.org/drawingml/2006/main" xmlns:r="http://schemas.openxmlformats.org/officeDocument/2006/relationships" xmlns:p="http://schemas.openxmlformats.org/presentationml/2006/main" showMasterSp="0" showMasterPhAnim="0">
-  <p:cSld>
-    <p:spTree>
-      <p:nvGrpSpPr>
-        <p:cNvPr id="1" name="Shape 126"/>
-        <p:cNvGrpSpPr/>
-        <p:nvPr/>
-      </p:nvGrpSpPr>
-      <p:grpSpPr>
-        <a:xfrm>
-          <a:off x="0" y="0"/>
-          <a:ext cx="0" cy="0"/>
-          <a:chOff x="0" y="0"/>
-          <a:chExt cx="0" cy="0"/>
-        </a:xfrm>
-      </p:grpSpPr>
-      <p:sp>
-        <p:nvSpPr>
-          <p:cNvPr id="127" name="Shape 127"/>
-          <p:cNvSpPr>
-            <a:spLocks noGrp="1" noRot="1" noChangeAspect="1"/>
-          </p:cNvSpPr>
-          <p:nvPr>
-            <p:ph type="sldImg" idx="2"/>
-          </p:nvPr>
-        </p:nvSpPr>
-        <p:spPr>
-          <a:xfrm>
-            <a:off x="1143000" y="685800"/>
-            <a:ext cx="4572000" cy="3429000"/>
-          </a:xfrm>
-          <a:custGeom>
-            <a:avLst/>
-            <a:gdLst/>
-            <a:ahLst/>
-            <a:cxnLst/>
-            <a:rect l="0" t="0" r="0" b="0"/>
-            <a:pathLst>
-              <a:path w="120000" h="120000" extrusionOk="0">
-                <a:moveTo>
-                  <a:pt x="0" y="0"/>
-                </a:moveTo>
-                <a:lnTo>
-                  <a:pt x="120000" y="0"/>
-                </a:lnTo>
-                <a:lnTo>
-                  <a:pt x="120000" y="120000"/>
-                </a:lnTo>
-                <a:lnTo>
-                  <a:pt x="0" y="120000"/>
-                </a:lnTo>
-                <a:close/>
-              </a:path>
-            </a:pathLst>
-          </a:custGeom>
-        </p:spPr>
-      </p:sp>
-      <p:sp>
-        <p:nvSpPr>
-          <p:cNvPr id="128" name="Shape 128"/>
-          <p:cNvSpPr txBox="1">
-            <a:spLocks noGrp="1"/>
-          </p:cNvSpPr>
-          <p:nvPr>
-            <p:ph type="body" idx="1"/>
-          </p:nvPr>
-        </p:nvSpPr>
-        <p:spPr>
-          <a:xfrm>
-            <a:off x="685800" y="4343400"/>
-            <a:ext cx="5486400" cy="4114800"/>
-          </a:xfrm>
-          <a:prstGeom prst="rect">
-            <a:avLst/>
-          </a:prstGeom>
-        </p:spPr>
-        <p:txBody>
-          <a:bodyPr spcFirstLastPara="1" wrap="square" lIns="91425" tIns="91425" rIns="91425" bIns="91425" anchor="t" anchorCtr="0">
-            <a:noAutofit/>
-          </a:bodyPr>
-          <a:lstStyle/>
-          <a:p>
-            <a:pPr marL="0" lvl="0" indent="0">
-              <a:spcBef>
-                <a:spcPts val="0"/>
-              </a:spcBef>
-              <a:spcAft>
-                <a:spcPts val="0"/>
-              </a:spcAft>
-              <a:buNone/>
-            </a:pPr>
-            <a:endParaRPr/>
-          </a:p>
-        </p:txBody>
-      </p:sp>
-    </p:spTree>
   </p:cSld>
   <p:clrMapOvr>
     <a:masterClrMapping/>
@@ -14413,111 +14421,6 @@
   <p:cSld>
     <p:spTree>
       <p:nvGrpSpPr>
-        <p:cNvPr id="1" name="Shape 106"/>
-        <p:cNvGrpSpPr/>
-        <p:nvPr/>
-      </p:nvGrpSpPr>
-      <p:grpSpPr>
-        <a:xfrm>
-          <a:off x="0" y="0"/>
-          <a:ext cx="0" cy="0"/>
-          <a:chOff x="0" y="0"/>
-          <a:chExt cx="0" cy="0"/>
-        </a:xfrm>
-      </p:grpSpPr>
-      <p:sp>
-        <p:nvSpPr>
-          <p:cNvPr id="107" name="Shape 107"/>
-          <p:cNvSpPr txBox="1">
-            <a:spLocks noGrp="1"/>
-          </p:cNvSpPr>
-          <p:nvPr>
-            <p:ph type="title"/>
-          </p:nvPr>
-        </p:nvSpPr>
-        <p:spPr>
-          <a:xfrm>
-            <a:off x="832475" y="168450"/>
-            <a:ext cx="7951800" cy="973500"/>
-          </a:xfrm>
-          <a:prstGeom prst="rect">
-            <a:avLst/>
-          </a:prstGeom>
-          <a:ln>
-            <a:noFill/>
-          </a:ln>
-        </p:spPr>
-        <p:txBody>
-          <a:bodyPr spcFirstLastPara="1" wrap="square" lIns="91425" tIns="91425" rIns="91425" bIns="91425" anchor="ctr" anchorCtr="0">
-            <a:noAutofit/>
-          </a:bodyPr>
-          <a:lstStyle/>
-          <a:p>
-            <a:pPr marL="0" lvl="0" indent="0">
-              <a:spcBef>
-                <a:spcPts val="0"/>
-              </a:spcBef>
-              <a:spcAft>
-                <a:spcPts val="0"/>
-              </a:spcAft>
-              <a:buNone/>
-            </a:pPr>
-            <a:r>
-              <a:rPr lang="en-US" dirty="0"/>
-              <a:t>Table </a:t>
-            </a:r>
-            <a:endParaRPr dirty="0"/>
-          </a:p>
-        </p:txBody>
-      </p:sp>
-      <p:pic>
-        <p:nvPicPr>
-          <p:cNvPr id="5" name="그림 4">
-            <a:extLst>
-              <a:ext uri="{FF2B5EF4-FFF2-40B4-BE49-F238E27FC236}">
-                <a16:creationId xmlns:a16="http://schemas.microsoft.com/office/drawing/2014/main" id="{2332CD0E-6C98-4001-909F-D465347A3913}"/>
-              </a:ext>
-            </a:extLst>
-          </p:cNvPr>
-          <p:cNvPicPr>
-            <a:picLocks noChangeAspect="1"/>
-          </p:cNvPicPr>
-          <p:nvPr/>
-        </p:nvPicPr>
-        <p:blipFill>
-          <a:blip r:embed="rId3"/>
-          <a:stretch>
-            <a:fillRect/>
-          </a:stretch>
-        </p:blipFill>
-        <p:spPr>
-          <a:xfrm>
-            <a:off x="307910" y="1483567"/>
-            <a:ext cx="8663474" cy="5205983"/>
-          </a:xfrm>
-          <a:prstGeom prst="rect">
-            <a:avLst/>
-          </a:prstGeom>
-        </p:spPr>
-      </p:pic>
-    </p:spTree>
-    <p:extLst>
-      <p:ext uri="{BB962C8B-B14F-4D97-AF65-F5344CB8AC3E}">
-        <p14:creationId xmlns:p14="http://schemas.microsoft.com/office/powerpoint/2010/main" val="2506732320"/>
-      </p:ext>
-    </p:extLst>
-  </p:cSld>
-  <p:clrMapOvr>
-    <a:masterClrMapping/>
-  </p:clrMapOvr>
-</p:sld>
-</file>
-
-<file path=ppt/slides/slide9.xml><?xml version="1.0" encoding="utf-8"?>
-<p:sld xmlns:a="http://schemas.openxmlformats.org/drawingml/2006/main" xmlns:r="http://schemas.openxmlformats.org/officeDocument/2006/relationships" xmlns:p="http://schemas.openxmlformats.org/presentationml/2006/main">
-  <p:cSld>
-    <p:spTree>
-      <p:nvGrpSpPr>
         <p:cNvPr id="1" name="Shape 129"/>
         <p:cNvGrpSpPr/>
         <p:nvPr/>
@@ -15036,6 +14939,111 @@
         </p:txBody>
       </p:sp>
     </p:spTree>
+  </p:cSld>
+  <p:clrMapOvr>
+    <a:masterClrMapping/>
+  </p:clrMapOvr>
+</p:sld>
+</file>
+
+<file path=ppt/slides/slide9.xml><?xml version="1.0" encoding="utf-8"?>
+<p:sld xmlns:a="http://schemas.openxmlformats.org/drawingml/2006/main" xmlns:r="http://schemas.openxmlformats.org/officeDocument/2006/relationships" xmlns:p="http://schemas.openxmlformats.org/presentationml/2006/main">
+  <p:cSld>
+    <p:spTree>
+      <p:nvGrpSpPr>
+        <p:cNvPr id="1" name="Shape 106"/>
+        <p:cNvGrpSpPr/>
+        <p:nvPr/>
+      </p:nvGrpSpPr>
+      <p:grpSpPr>
+        <a:xfrm>
+          <a:off x="0" y="0"/>
+          <a:ext cx="0" cy="0"/>
+          <a:chOff x="0" y="0"/>
+          <a:chExt cx="0" cy="0"/>
+        </a:xfrm>
+      </p:grpSpPr>
+      <p:sp>
+        <p:nvSpPr>
+          <p:cNvPr id="107" name="Shape 107"/>
+          <p:cNvSpPr txBox="1">
+            <a:spLocks noGrp="1"/>
+          </p:cNvSpPr>
+          <p:nvPr>
+            <p:ph type="title"/>
+          </p:nvPr>
+        </p:nvSpPr>
+        <p:spPr>
+          <a:xfrm>
+            <a:off x="832475" y="168450"/>
+            <a:ext cx="7951800" cy="973500"/>
+          </a:xfrm>
+          <a:prstGeom prst="rect">
+            <a:avLst/>
+          </a:prstGeom>
+          <a:ln>
+            <a:noFill/>
+          </a:ln>
+        </p:spPr>
+        <p:txBody>
+          <a:bodyPr spcFirstLastPara="1" wrap="square" lIns="91425" tIns="91425" rIns="91425" bIns="91425" anchor="ctr" anchorCtr="0">
+            <a:noAutofit/>
+          </a:bodyPr>
+          <a:lstStyle/>
+          <a:p>
+            <a:pPr marL="0" lvl="0" indent="0">
+              <a:spcBef>
+                <a:spcPts val="0"/>
+              </a:spcBef>
+              <a:spcAft>
+                <a:spcPts val="0"/>
+              </a:spcAft>
+              <a:buNone/>
+            </a:pPr>
+            <a:r>
+              <a:rPr lang="en-US" dirty="0"/>
+              <a:t>Table </a:t>
+            </a:r>
+            <a:endParaRPr dirty="0"/>
+          </a:p>
+        </p:txBody>
+      </p:sp>
+      <p:pic>
+        <p:nvPicPr>
+          <p:cNvPr id="5" name="그림 4">
+            <a:extLst>
+              <a:ext uri="{FF2B5EF4-FFF2-40B4-BE49-F238E27FC236}">
+                <a16:creationId xmlns:a16="http://schemas.microsoft.com/office/drawing/2014/main" id="{2332CD0E-6C98-4001-909F-D465347A3913}"/>
+              </a:ext>
+            </a:extLst>
+          </p:cNvPr>
+          <p:cNvPicPr>
+            <a:picLocks noChangeAspect="1"/>
+          </p:cNvPicPr>
+          <p:nvPr/>
+        </p:nvPicPr>
+        <p:blipFill>
+          <a:blip r:embed="rId3"/>
+          <a:stretch>
+            <a:fillRect/>
+          </a:stretch>
+        </p:blipFill>
+        <p:spPr>
+          <a:xfrm>
+            <a:off x="307910" y="1483567"/>
+            <a:ext cx="8663474" cy="5205983"/>
+          </a:xfrm>
+          <a:prstGeom prst="rect">
+            <a:avLst/>
+          </a:prstGeom>
+        </p:spPr>
+      </p:pic>
+    </p:spTree>
+    <p:extLst>
+      <p:ext uri="{BB962C8B-B14F-4D97-AF65-F5344CB8AC3E}">
+        <p14:creationId xmlns:p14="http://schemas.microsoft.com/office/powerpoint/2010/main" val="2506732320"/>
+      </p:ext>
+    </p:extLst>
   </p:cSld>
   <p:clrMapOvr>
     <a:masterClrMapping/>
